--- a/docs/4_Slide_BaotriPhanmem_LiemPhongThuc.pptx
+++ b/docs/4_Slide_BaotriPhanmem_LiemPhongThuc.pptx
@@ -17,8 +17,8 @@
     <p:sldId id="261" r:id="rId6"/>
     <p:sldId id="270" r:id="rId7"/>
     <p:sldId id="262" r:id="rId8"/>
-    <p:sldId id="271" r:id="rId9"/>
-    <p:sldId id="263" r:id="rId10"/>
+    <p:sldId id="263" r:id="rId9"/>
+    <p:sldId id="271" r:id="rId10"/>
     <p:sldId id="264" r:id="rId11"/>
     <p:sldId id="272" r:id="rId12"/>
   </p:sldIdLst>
@@ -10023,13 +10023,13 @@
   <p:clrMapOvr>
     <a:overrideClrMapping bg1="dk1" tx1="lt1" bg2="dk2" tx2="lt2" accent1="accent1" accent2="accent2" accent3="accent3" accent4="accent4" accent5="accent5" accent6="accent6" hlink="hlink" folHlink="folHlink"/>
   </p:clrMapOvr>
-  <mc:AlternateContent xmlns:mc="http://schemas.openxmlformats.org/markup-compatibility/2006">
-    <mc:Choice xmlns:p14="http://schemas.microsoft.com/office/powerpoint/2010/main" Requires="p14">
+  <mc:AlternateContent xmlns:mc="http://schemas.openxmlformats.org/markup-compatibility/2006" xmlns:p14="http://schemas.microsoft.com/office/powerpoint/2010/main">
+    <mc:Choice Requires="p14">
       <p:transition spd="med" p14:dur="700">
         <p:fade/>
       </p:transition>
     </mc:Choice>
-    <mc:Fallback>
+    <mc:Fallback xmlns="">
       <p:transition spd="med">
         <p:fade/>
       </p:transition>
@@ -11215,6 +11215,307 @@
 </file>
 
 <file path=ppt/slides/slide7.xml><?xml version="1.0" encoding="utf-8"?>
+<p:sld xmlns:a="http://schemas.openxmlformats.org/drawingml/2006/main" xmlns:r="http://schemas.openxmlformats.org/officeDocument/2006/relationships" xmlns:p="http://schemas.openxmlformats.org/presentationml/2006/main">
+  <p:cSld>
+    <p:bg>
+      <p:bgPr>
+        <a:solidFill>
+          <a:schemeClr val="bg1">
+            <a:tint val="95000"/>
+            <a:satMod val="170000"/>
+          </a:schemeClr>
+        </a:solidFill>
+        <a:effectLst/>
+      </p:bgPr>
+    </p:bg>
+    <p:spTree>
+      <p:nvGrpSpPr>
+        <p:cNvPr id="1" name=""/>
+        <p:cNvGrpSpPr/>
+        <p:nvPr/>
+      </p:nvGrpSpPr>
+      <p:grpSpPr>
+        <a:xfrm>
+          <a:off x="0" y="0"/>
+          <a:ext cx="0" cy="0"/>
+          <a:chOff x="0" y="0"/>
+          <a:chExt cx="0" cy="0"/>
+        </a:xfrm>
+      </p:grpSpPr>
+      <p:sp>
+        <p:nvSpPr>
+          <p:cNvPr id="12" name="Rectangle 8">
+            <a:extLst>
+              <a:ext uri="{FF2B5EF4-FFF2-40B4-BE49-F238E27FC236}">
+                <a16:creationId xmlns:a16="http://schemas.microsoft.com/office/drawing/2014/main" id="{F73FCEB7-CD02-4399-BA74-12D9191D6F72}"/>
+              </a:ext>
+            </a:extLst>
+          </p:cNvPr>
+          <p:cNvSpPr>
+            <a:spLocks noGrp="1" noRot="1" noChangeAspect="1" noMove="1" noResize="1" noEditPoints="1" noAdjustHandles="1" noChangeArrowheads="1" noChangeShapeType="1" noTextEdit="1"/>
+          </p:cNvSpPr>
+          <p:nvPr>
+            <p:extLst>
+              <p:ext uri="{386F3935-93C4-4BCD-93E2-E3B085C9AB24}">
+                <p16:designElem xmlns:p16="http://schemas.microsoft.com/office/powerpoint/2015/main" val="1"/>
+              </p:ext>
+            </p:extLst>
+          </p:nvPr>
+        </p:nvSpPr>
+        <p:spPr>
+          <a:xfrm>
+            <a:off x="0" y="0"/>
+            <a:ext cx="12192000" cy="6858000"/>
+          </a:xfrm>
+          <a:prstGeom prst="rect">
+            <a:avLst/>
+          </a:prstGeom>
+          <a:solidFill>
+            <a:srgbClr val="FFFFFF"/>
+          </a:solidFill>
+          <a:ln>
+            <a:noFill/>
+          </a:ln>
+        </p:spPr>
+        <p:style>
+          <a:lnRef idx="2">
+            <a:schemeClr val="accent1">
+              <a:shade val="50000"/>
+            </a:schemeClr>
+          </a:lnRef>
+          <a:fillRef idx="1">
+            <a:schemeClr val="accent1"/>
+          </a:fillRef>
+          <a:effectRef idx="0">
+            <a:schemeClr val="accent1"/>
+          </a:effectRef>
+          <a:fontRef idx="minor">
+            <a:schemeClr val="lt1"/>
+          </a:fontRef>
+        </p:style>
+        <p:txBody>
+          <a:bodyPr rtlCol="0" anchor="ctr"/>
+          <a:lstStyle/>
+          <a:p>
+            <a:pPr algn="ctr"/>
+            <a:endParaRPr lang="en-US"/>
+          </a:p>
+        </p:txBody>
+      </p:sp>
+      <p:pic>
+        <p:nvPicPr>
+          <p:cNvPr id="4" name="Picture 7">
+            <a:extLst>
+              <a:ext uri="{FF2B5EF4-FFF2-40B4-BE49-F238E27FC236}">
+                <a16:creationId xmlns:a16="http://schemas.microsoft.com/office/drawing/2014/main" id="{3F5664F9-CBCF-4C77-92F6-476D2F2DE5FF}"/>
+              </a:ext>
+            </a:extLst>
+          </p:cNvPr>
+          <p:cNvPicPr/>
+          <p:nvPr/>
+        </p:nvPicPr>
+        <p:blipFill>
+          <a:blip r:embed="rId2">
+            <a:extLst>
+              <a:ext uri="{28A0092B-C50C-407E-A947-70E740481C1C}">
+                <a14:useLocalDpi xmlns:a14="http://schemas.microsoft.com/office/drawing/2010/main" val="0"/>
+              </a:ext>
+            </a:extLst>
+          </a:blip>
+          <a:srcRect/>
+          <a:stretch>
+            <a:fillRect/>
+          </a:stretch>
+        </p:blipFill>
+        <p:spPr bwMode="auto">
+          <a:xfrm>
+            <a:off x="5153822" y="967200"/>
+            <a:ext cx="6553545" cy="4931542"/>
+          </a:xfrm>
+          <a:prstGeom prst="rect">
+            <a:avLst/>
+          </a:prstGeom>
+          <a:noFill/>
+        </p:spPr>
+      </p:pic>
+      <p:sp>
+        <p:nvSpPr>
+          <p:cNvPr id="11" name="Rectangle 10">
+            <a:extLst>
+              <a:ext uri="{FF2B5EF4-FFF2-40B4-BE49-F238E27FC236}">
+                <a16:creationId xmlns:a16="http://schemas.microsoft.com/office/drawing/2014/main" id="{AB45A142-4255-493C-8284-5D566C121B10}"/>
+              </a:ext>
+            </a:extLst>
+          </p:cNvPr>
+          <p:cNvSpPr>
+            <a:spLocks noGrp="1" noRot="1" noChangeAspect="1" noMove="1" noResize="1" noEditPoints="1" noAdjustHandles="1" noChangeArrowheads="1" noChangeShapeType="1" noTextEdit="1"/>
+          </p:cNvSpPr>
+          <p:nvPr>
+            <p:extLst>
+              <p:ext uri="{386F3935-93C4-4BCD-93E2-E3B085C9AB24}">
+                <p16:designElem xmlns:p16="http://schemas.microsoft.com/office/powerpoint/2015/main" val="1"/>
+              </p:ext>
+            </p:extLst>
+          </p:nvPr>
+        </p:nvSpPr>
+        <p:spPr bwMode="ltGray">
+          <a:xfrm>
+            <a:off x="336884" y="321177"/>
+            <a:ext cx="4332307" cy="6179552"/>
+          </a:xfrm>
+          <a:prstGeom prst="rect">
+            <a:avLst/>
+          </a:prstGeom>
+          <a:solidFill>
+            <a:srgbClr val="404040">
+              <a:alpha val="89804"/>
+            </a:srgbClr>
+          </a:solidFill>
+          <a:ln w="127000" cap="sq" cmpd="thinThick">
+            <a:solidFill>
+              <a:srgbClr val="595959">
+                <a:alpha val="80000"/>
+              </a:srgbClr>
+            </a:solidFill>
+          </a:ln>
+        </p:spPr>
+        <p:style>
+          <a:lnRef idx="2">
+            <a:schemeClr val="accent1">
+              <a:shade val="50000"/>
+            </a:schemeClr>
+          </a:lnRef>
+          <a:fillRef idx="1">
+            <a:schemeClr val="accent1"/>
+          </a:fillRef>
+          <a:effectRef idx="0">
+            <a:schemeClr val="accent1"/>
+          </a:effectRef>
+          <a:fontRef idx="minor">
+            <a:schemeClr val="lt1"/>
+          </a:fontRef>
+        </p:style>
+        <p:txBody>
+          <a:bodyPr rtlCol="0" anchor="ctr"/>
+          <a:lstStyle/>
+          <a:p>
+            <a:pPr algn="ctr"/>
+            <a:endParaRPr lang="en-US"/>
+          </a:p>
+        </p:txBody>
+      </p:sp>
+      <p:cxnSp>
+        <p:nvCxnSpPr>
+          <p:cNvPr id="13" name="Straight Connector 12">
+            <a:extLst>
+              <a:ext uri="{FF2B5EF4-FFF2-40B4-BE49-F238E27FC236}">
+                <a16:creationId xmlns:a16="http://schemas.microsoft.com/office/drawing/2014/main" id="{38FB9660-F42F-4313-BBC4-47C007FE484C}"/>
+              </a:ext>
+            </a:extLst>
+          </p:cNvPr>
+          <p:cNvCxnSpPr>
+            <a:cxnSpLocks noGrp="1" noRot="1" noChangeAspect="1" noMove="1" noResize="1" noEditPoints="1" noAdjustHandles="1" noChangeArrowheads="1" noChangeShapeType="1"/>
+          </p:cNvCxnSpPr>
+          <p:nvPr>
+            <p:extLst>
+              <p:ext uri="{386F3935-93C4-4BCD-93E2-E3B085C9AB24}">
+                <p16:designElem xmlns:p16="http://schemas.microsoft.com/office/powerpoint/2015/main" val="1"/>
+              </p:ext>
+            </p:extLst>
+          </p:nvPr>
+        </p:nvCxnSpPr>
+        <p:spPr>
+          <a:xfrm>
+            <a:off x="1191126" y="3910267"/>
+            <a:ext cx="2586790" cy="0"/>
+          </a:xfrm>
+          <a:prstGeom prst="line">
+            <a:avLst/>
+          </a:prstGeom>
+          <a:ln w="22225">
+            <a:solidFill>
+              <a:srgbClr val="D9D9D9"/>
+            </a:solidFill>
+          </a:ln>
+        </p:spPr>
+        <p:style>
+          <a:lnRef idx="1">
+            <a:schemeClr val="accent1"/>
+          </a:lnRef>
+          <a:fillRef idx="0">
+            <a:schemeClr val="accent1"/>
+          </a:fillRef>
+          <a:effectRef idx="0">
+            <a:schemeClr val="accent1"/>
+          </a:effectRef>
+          <a:fontRef idx="minor">
+            <a:schemeClr val="tx1"/>
+          </a:fontRef>
+        </p:style>
+      </p:cxnSp>
+      <p:sp>
+        <p:nvSpPr>
+          <p:cNvPr id="2" name="Tiêu đề 1"/>
+          <p:cNvSpPr>
+            <a:spLocks noGrp="1"/>
+          </p:cNvSpPr>
+          <p:nvPr>
+            <p:ph type="title"/>
+          </p:nvPr>
+        </p:nvSpPr>
+        <p:spPr>
+          <a:xfrm>
+            <a:off x="674237" y="914400"/>
+            <a:ext cx="3657600" cy="2887579"/>
+          </a:xfrm>
+        </p:spPr>
+        <p:txBody>
+          <a:bodyPr vert="horz" lIns="91440" tIns="45720" rIns="91440" bIns="45720" rtlCol="0" anchor="b">
+            <a:normAutofit/>
+          </a:bodyPr>
+          <a:lstStyle/>
+          <a:p>
+            <a:pPr algn="ctr"/>
+            <a:r>
+              <a:rPr lang="en-US" sz="4800" kern="1200">
+                <a:solidFill>
+                  <a:srgbClr val="FFFFFF"/>
+                </a:solidFill>
+                <a:latin typeface="+mj-lt"/>
+                <a:ea typeface="+mj-ea"/>
+                <a:cs typeface="+mj-cs"/>
+              </a:rPr>
+              <a:t>Giao diện tải (preloading)</a:t>
+            </a:r>
+          </a:p>
+        </p:txBody>
+      </p:sp>
+    </p:spTree>
+    <p:extLst>
+      <p:ext uri="{BB962C8B-B14F-4D97-AF65-F5344CB8AC3E}">
+        <p14:creationId xmlns:p14="http://schemas.microsoft.com/office/powerpoint/2010/main" val="3374778722"/>
+      </p:ext>
+    </p:extLst>
+  </p:cSld>
+  <p:clrMapOvr>
+    <a:overrideClrMapping bg1="dk1" tx1="lt1" bg2="dk2" tx2="lt2" accent1="accent1" accent2="accent2" accent3="accent3" accent4="accent4" accent5="accent5" accent6="accent6" hlink="hlink" folHlink="folHlink"/>
+  </p:clrMapOvr>
+  <mc:AlternateContent xmlns:mc="http://schemas.openxmlformats.org/markup-compatibility/2006" xmlns:p14="http://schemas.microsoft.com/office/powerpoint/2010/main">
+    <mc:Choice Requires="p14">
+      <p:transition spd="med" p14:dur="700">
+        <p:fade/>
+      </p:transition>
+    </mc:Choice>
+    <mc:Fallback xmlns="">
+      <p:transition spd="med">
+        <p:fade/>
+      </p:transition>
+    </mc:Fallback>
+  </mc:AlternateContent>
+</p:sld>
+</file>
+
+<file path=ppt/slides/slide8.xml><?xml version="1.0" encoding="utf-8"?>
 <p:sld xmlns:a="http://schemas.openxmlformats.org/drawingml/2006/main" xmlns:r="http://schemas.openxmlformats.org/officeDocument/2006/relationships" xmlns:p="http://schemas.openxmlformats.org/presentationml/2006/main">
   <p:cSld>
     <p:bg>
@@ -11544,314 +11845,13 @@
   <p:clrMapOvr>
     <a:masterClrMapping/>
   </p:clrMapOvr>
-  <mc:AlternateContent xmlns:mc="http://schemas.openxmlformats.org/markup-compatibility/2006">
-    <mc:Choice xmlns:p14="http://schemas.microsoft.com/office/powerpoint/2010/main" Requires="p14">
+  <mc:AlternateContent xmlns:mc="http://schemas.openxmlformats.org/markup-compatibility/2006" xmlns:p14="http://schemas.microsoft.com/office/powerpoint/2010/main">
+    <mc:Choice Requires="p14">
       <p:transition spd="med" p14:dur="700">
         <p:fade/>
       </p:transition>
     </mc:Choice>
-    <mc:Fallback>
-      <p:transition spd="med">
-        <p:fade/>
-      </p:transition>
-    </mc:Fallback>
-  </mc:AlternateContent>
-</p:sld>
-</file>
-
-<file path=ppt/slides/slide8.xml><?xml version="1.0" encoding="utf-8"?>
-<p:sld xmlns:a="http://schemas.openxmlformats.org/drawingml/2006/main" xmlns:r="http://schemas.openxmlformats.org/officeDocument/2006/relationships" xmlns:p="http://schemas.openxmlformats.org/presentationml/2006/main">
-  <p:cSld>
-    <p:bg>
-      <p:bgPr>
-        <a:solidFill>
-          <a:schemeClr val="bg1">
-            <a:tint val="95000"/>
-            <a:satMod val="170000"/>
-          </a:schemeClr>
-        </a:solidFill>
-        <a:effectLst/>
-      </p:bgPr>
-    </p:bg>
-    <p:spTree>
-      <p:nvGrpSpPr>
-        <p:cNvPr id="1" name=""/>
-        <p:cNvGrpSpPr/>
-        <p:nvPr/>
-      </p:nvGrpSpPr>
-      <p:grpSpPr>
-        <a:xfrm>
-          <a:off x="0" y="0"/>
-          <a:ext cx="0" cy="0"/>
-          <a:chOff x="0" y="0"/>
-          <a:chExt cx="0" cy="0"/>
-        </a:xfrm>
-      </p:grpSpPr>
-      <p:sp>
-        <p:nvSpPr>
-          <p:cNvPr id="12" name="Rectangle 8">
-            <a:extLst>
-              <a:ext uri="{FF2B5EF4-FFF2-40B4-BE49-F238E27FC236}">
-                <a16:creationId xmlns:a16="http://schemas.microsoft.com/office/drawing/2014/main" id="{F73FCEB7-CD02-4399-BA74-12D9191D6F72}"/>
-              </a:ext>
-            </a:extLst>
-          </p:cNvPr>
-          <p:cNvSpPr>
-            <a:spLocks noGrp="1" noRot="1" noChangeAspect="1" noMove="1" noResize="1" noEditPoints="1" noAdjustHandles="1" noChangeArrowheads="1" noChangeShapeType="1" noTextEdit="1"/>
-          </p:cNvSpPr>
-          <p:nvPr>
-            <p:extLst>
-              <p:ext uri="{386F3935-93C4-4BCD-93E2-E3B085C9AB24}">
-                <p16:designElem xmlns:p16="http://schemas.microsoft.com/office/powerpoint/2015/main" val="1"/>
-              </p:ext>
-            </p:extLst>
-          </p:nvPr>
-        </p:nvSpPr>
-        <p:spPr>
-          <a:xfrm>
-            <a:off x="0" y="0"/>
-            <a:ext cx="12192000" cy="6858000"/>
-          </a:xfrm>
-          <a:prstGeom prst="rect">
-            <a:avLst/>
-          </a:prstGeom>
-          <a:solidFill>
-            <a:srgbClr val="FFFFFF"/>
-          </a:solidFill>
-          <a:ln>
-            <a:noFill/>
-          </a:ln>
-        </p:spPr>
-        <p:style>
-          <a:lnRef idx="2">
-            <a:schemeClr val="accent1">
-              <a:shade val="50000"/>
-            </a:schemeClr>
-          </a:lnRef>
-          <a:fillRef idx="1">
-            <a:schemeClr val="accent1"/>
-          </a:fillRef>
-          <a:effectRef idx="0">
-            <a:schemeClr val="accent1"/>
-          </a:effectRef>
-          <a:fontRef idx="minor">
-            <a:schemeClr val="lt1"/>
-          </a:fontRef>
-        </p:style>
-        <p:txBody>
-          <a:bodyPr rtlCol="0" anchor="ctr"/>
-          <a:lstStyle/>
-          <a:p>
-            <a:pPr algn="ctr"/>
-            <a:endParaRPr lang="en-US"/>
-          </a:p>
-        </p:txBody>
-      </p:sp>
-      <p:pic>
-        <p:nvPicPr>
-          <p:cNvPr id="4" name="Picture 7">
-            <a:extLst>
-              <a:ext uri="{FF2B5EF4-FFF2-40B4-BE49-F238E27FC236}">
-                <a16:creationId xmlns:a16="http://schemas.microsoft.com/office/drawing/2014/main" id="{3F5664F9-CBCF-4C77-92F6-476D2F2DE5FF}"/>
-              </a:ext>
-            </a:extLst>
-          </p:cNvPr>
-          <p:cNvPicPr/>
-          <p:nvPr/>
-        </p:nvPicPr>
-        <p:blipFill>
-          <a:blip r:embed="rId2">
-            <a:extLst>
-              <a:ext uri="{28A0092B-C50C-407E-A947-70E740481C1C}">
-                <a14:useLocalDpi xmlns:a14="http://schemas.microsoft.com/office/drawing/2010/main" val="0"/>
-              </a:ext>
-            </a:extLst>
-          </a:blip>
-          <a:srcRect/>
-          <a:stretch>
-            <a:fillRect/>
-          </a:stretch>
-        </p:blipFill>
-        <p:spPr bwMode="auto">
-          <a:xfrm>
-            <a:off x="5153822" y="967200"/>
-            <a:ext cx="6553545" cy="4931542"/>
-          </a:xfrm>
-          <a:prstGeom prst="rect">
-            <a:avLst/>
-          </a:prstGeom>
-          <a:noFill/>
-        </p:spPr>
-      </p:pic>
-      <p:sp>
-        <p:nvSpPr>
-          <p:cNvPr id="11" name="Rectangle 10">
-            <a:extLst>
-              <a:ext uri="{FF2B5EF4-FFF2-40B4-BE49-F238E27FC236}">
-                <a16:creationId xmlns:a16="http://schemas.microsoft.com/office/drawing/2014/main" id="{AB45A142-4255-493C-8284-5D566C121B10}"/>
-              </a:ext>
-            </a:extLst>
-          </p:cNvPr>
-          <p:cNvSpPr>
-            <a:spLocks noGrp="1" noRot="1" noChangeAspect="1" noMove="1" noResize="1" noEditPoints="1" noAdjustHandles="1" noChangeArrowheads="1" noChangeShapeType="1" noTextEdit="1"/>
-          </p:cNvSpPr>
-          <p:nvPr>
-            <p:extLst>
-              <p:ext uri="{386F3935-93C4-4BCD-93E2-E3B085C9AB24}">
-                <p16:designElem xmlns:p16="http://schemas.microsoft.com/office/powerpoint/2015/main" val="1"/>
-              </p:ext>
-            </p:extLst>
-          </p:nvPr>
-        </p:nvSpPr>
-        <p:spPr bwMode="ltGray">
-          <a:xfrm>
-            <a:off x="336884" y="321177"/>
-            <a:ext cx="4332307" cy="6179552"/>
-          </a:xfrm>
-          <a:prstGeom prst="rect">
-            <a:avLst/>
-          </a:prstGeom>
-          <a:solidFill>
-            <a:srgbClr val="404040">
-              <a:alpha val="89804"/>
-            </a:srgbClr>
-          </a:solidFill>
-          <a:ln w="127000" cap="sq" cmpd="thinThick">
-            <a:solidFill>
-              <a:srgbClr val="595959">
-                <a:alpha val="80000"/>
-              </a:srgbClr>
-            </a:solidFill>
-          </a:ln>
-        </p:spPr>
-        <p:style>
-          <a:lnRef idx="2">
-            <a:schemeClr val="accent1">
-              <a:shade val="50000"/>
-            </a:schemeClr>
-          </a:lnRef>
-          <a:fillRef idx="1">
-            <a:schemeClr val="accent1"/>
-          </a:fillRef>
-          <a:effectRef idx="0">
-            <a:schemeClr val="accent1"/>
-          </a:effectRef>
-          <a:fontRef idx="minor">
-            <a:schemeClr val="lt1"/>
-          </a:fontRef>
-        </p:style>
-        <p:txBody>
-          <a:bodyPr rtlCol="0" anchor="ctr"/>
-          <a:lstStyle/>
-          <a:p>
-            <a:pPr algn="ctr"/>
-            <a:endParaRPr lang="en-US"/>
-          </a:p>
-        </p:txBody>
-      </p:sp>
-      <p:cxnSp>
-        <p:nvCxnSpPr>
-          <p:cNvPr id="13" name="Straight Connector 12">
-            <a:extLst>
-              <a:ext uri="{FF2B5EF4-FFF2-40B4-BE49-F238E27FC236}">
-                <a16:creationId xmlns:a16="http://schemas.microsoft.com/office/drawing/2014/main" id="{38FB9660-F42F-4313-BBC4-47C007FE484C}"/>
-              </a:ext>
-            </a:extLst>
-          </p:cNvPr>
-          <p:cNvCxnSpPr>
-            <a:cxnSpLocks noGrp="1" noRot="1" noChangeAspect="1" noMove="1" noResize="1" noEditPoints="1" noAdjustHandles="1" noChangeArrowheads="1" noChangeShapeType="1"/>
-          </p:cNvCxnSpPr>
-          <p:nvPr>
-            <p:extLst>
-              <p:ext uri="{386F3935-93C4-4BCD-93E2-E3B085C9AB24}">
-                <p16:designElem xmlns:p16="http://schemas.microsoft.com/office/powerpoint/2015/main" val="1"/>
-              </p:ext>
-            </p:extLst>
-          </p:nvPr>
-        </p:nvCxnSpPr>
-        <p:spPr>
-          <a:xfrm>
-            <a:off x="1191126" y="3910267"/>
-            <a:ext cx="2586790" cy="0"/>
-          </a:xfrm>
-          <a:prstGeom prst="line">
-            <a:avLst/>
-          </a:prstGeom>
-          <a:ln w="22225">
-            <a:solidFill>
-              <a:srgbClr val="D9D9D9"/>
-            </a:solidFill>
-          </a:ln>
-        </p:spPr>
-        <p:style>
-          <a:lnRef idx="1">
-            <a:schemeClr val="accent1"/>
-          </a:lnRef>
-          <a:fillRef idx="0">
-            <a:schemeClr val="accent1"/>
-          </a:fillRef>
-          <a:effectRef idx="0">
-            <a:schemeClr val="accent1"/>
-          </a:effectRef>
-          <a:fontRef idx="minor">
-            <a:schemeClr val="tx1"/>
-          </a:fontRef>
-        </p:style>
-      </p:cxnSp>
-      <p:sp>
-        <p:nvSpPr>
-          <p:cNvPr id="2" name="Tiêu đề 1"/>
-          <p:cNvSpPr>
-            <a:spLocks noGrp="1"/>
-          </p:cNvSpPr>
-          <p:nvPr>
-            <p:ph type="title"/>
-          </p:nvPr>
-        </p:nvSpPr>
-        <p:spPr>
-          <a:xfrm>
-            <a:off x="674237" y="914400"/>
-            <a:ext cx="3657600" cy="2887579"/>
-          </a:xfrm>
-        </p:spPr>
-        <p:txBody>
-          <a:bodyPr vert="horz" lIns="91440" tIns="45720" rIns="91440" bIns="45720" rtlCol="0" anchor="b">
-            <a:normAutofit/>
-          </a:bodyPr>
-          <a:lstStyle/>
-          <a:p>
-            <a:pPr algn="ctr"/>
-            <a:r>
-              <a:rPr lang="en-US" sz="4800" kern="1200">
-                <a:solidFill>
-                  <a:srgbClr val="FFFFFF"/>
-                </a:solidFill>
-                <a:latin typeface="+mj-lt"/>
-                <a:ea typeface="+mj-ea"/>
-                <a:cs typeface="+mj-cs"/>
-              </a:rPr>
-              <a:t>Giao diện tải (preloading)</a:t>
-            </a:r>
-          </a:p>
-        </p:txBody>
-      </p:sp>
-    </p:spTree>
-    <p:extLst>
-      <p:ext uri="{BB962C8B-B14F-4D97-AF65-F5344CB8AC3E}">
-        <p14:creationId xmlns:p14="http://schemas.microsoft.com/office/powerpoint/2010/main" val="3374778722"/>
-      </p:ext>
-    </p:extLst>
-  </p:cSld>
-  <p:clrMapOvr>
-    <a:overrideClrMapping bg1="dk1" tx1="lt1" bg2="dk2" tx2="lt2" accent1="accent1" accent2="accent2" accent3="accent3" accent4="accent4" accent5="accent5" accent6="accent6" hlink="hlink" folHlink="folHlink"/>
-  </p:clrMapOvr>
-  <mc:AlternateContent xmlns:mc="http://schemas.openxmlformats.org/markup-compatibility/2006">
-    <mc:Choice xmlns:p14="http://schemas.microsoft.com/office/powerpoint/2010/main" Requires="p14">
-      <p:transition spd="med" p14:dur="700">
-        <p:fade/>
-      </p:transition>
-    </mc:Choice>
-    <mc:Fallback>
+    <mc:Fallback xmlns="">
       <p:transition spd="med">
         <p:fade/>
       </p:transition>
@@ -12148,13 +12148,13 @@
   <p:clrMapOvr>
     <a:masterClrMapping/>
   </p:clrMapOvr>
-  <mc:AlternateContent xmlns:mc="http://schemas.openxmlformats.org/markup-compatibility/2006">
-    <mc:Choice xmlns:p14="http://schemas.microsoft.com/office/powerpoint/2010/main" Requires="p14">
+  <mc:AlternateContent xmlns:mc="http://schemas.openxmlformats.org/markup-compatibility/2006" xmlns:p14="http://schemas.microsoft.com/office/powerpoint/2010/main">
+    <mc:Choice Requires="p14">
       <p:transition spd="med" p14:dur="700">
         <p:fade/>
       </p:transition>
     </mc:Choice>
-    <mc:Fallback>
+    <mc:Fallback xmlns="">
       <p:transition spd="med">
         <p:fade/>
       </p:transition>
